--- a/presentation/other-slides.pptx
+++ b/presentation/other-slides.pptx
@@ -78,7 +78,23 @@
       </p:grpSpPr>
       <p:sp>
         <p:nvSpPr>
-          <p:cNvPr id="0" name="PlaceHolder 1"/>
+          <p:cNvPr id="0" name="CustomShape 1"/>
+          <p:cNvSpPr/>
+          <p:nvPr/>
+        </p:nvSpPr>
+        <p:spPr>
+          <a:xfrm>
+            <a:off x="3124080" y="6356520"/>
+            <a:ext cx="2894760" cy="364320"/>
+          </a:xfrm>
+          <a:prstGeom prst="rect">
+            <a:avLst/>
+          </a:prstGeom>
+        </p:spPr>
+      </p:sp>
+      <p:sp>
+        <p:nvSpPr>
+          <p:cNvPr id="1" name="PlaceHolder 2"/>
           <p:cNvSpPr>
             <a:spLocks noGrp="1"/>
           </p:cNvSpPr>
@@ -88,25 +104,20 @@
         </p:nvSpPr>
         <p:spPr>
           <a:xfrm>
-            <a:off x="685800" y="2130480"/>
-            <a:ext cx="7772040" cy="1469520"/>
+            <a:off x="457200" y="273600"/>
+            <a:ext cx="8229240" cy="1144800"/>
           </a:xfrm>
           <a:prstGeom prst="rect">
             <a:avLst/>
           </a:prstGeom>
         </p:spPr>
         <p:txBody>
-          <a:bodyPr anchor="ctr"/>
+          <a:bodyPr anchor="ctr" bIns="0" lIns="0" rIns="0" tIns="0" wrap="none"/>
           <a:p>
             <a:pPr algn="ctr"/>
             <a:r>
-              <a:rPr lang="en-US" sz="4400">
-                <a:solidFill>
-                  <a:srgbClr val="8b8b8b"/>
-                </a:solidFill>
-                <a:latin typeface="Calibri"/>
-              </a:rPr>
-              <a:t>Click to edit the title text formatClick to edit Master title style</a:t>
+              <a:rPr lang="en-US"/>
+              <a:t>Click to edit the title text format</a:t>
             </a:r>
             <a:endParaRPr/>
           </a:p>
@@ -114,93 +125,7 @@
       </p:sp>
       <p:sp>
         <p:nvSpPr>
-          <p:cNvPr id="1" name="PlaceHolder 2"/>
-          <p:cNvSpPr>
-            <a:spLocks noGrp="1"/>
-          </p:cNvSpPr>
-          <p:nvPr>
-            <p:ph type="dt"/>
-          </p:nvPr>
-        </p:nvSpPr>
-        <p:spPr>
-          <a:xfrm>
-            <a:off x="457200" y="6356520"/>
-            <a:ext cx="2133360" cy="364680"/>
-          </a:xfrm>
-          <a:prstGeom prst="rect">
-            <a:avLst/>
-          </a:prstGeom>
-        </p:spPr>
-        <p:txBody>
-          <a:bodyPr anchor="ctr"/>
-          <a:p>
-            <a:r>
-              <a:rPr lang="en-US" sz="1200">
-                <a:solidFill>
-                  <a:srgbClr val="8b8b8b"/>
-                </a:solidFill>
-                <a:latin typeface="Calibri"/>
-              </a:rPr>
-              <a:t>12/9/11</a:t>
-            </a:r>
-            <a:endParaRPr/>
-          </a:p>
-        </p:txBody>
-      </p:sp>
-      <p:sp>
-        <p:nvSpPr>
-          <p:cNvPr id="2" name="TextShape 3"/>
-          <p:cNvSpPr txBox="1"/>
-          <p:nvPr/>
-        </p:nvSpPr>
-        <p:spPr>
-          <a:xfrm>
-            <a:off x="3124080" y="6356520"/>
-            <a:ext cx="2895120" cy="364680"/>
-          </a:xfrm>
-          <a:prstGeom prst="rect">
-            <a:avLst/>
-          </a:prstGeom>
-        </p:spPr>
-      </p:sp>
-      <p:sp>
-        <p:nvSpPr>
-          <p:cNvPr id="3" name="PlaceHolder 4"/>
-          <p:cNvSpPr>
-            <a:spLocks noGrp="1"/>
-          </p:cNvSpPr>
-          <p:nvPr>
-            <p:ph type="sldNum"/>
-          </p:nvPr>
-        </p:nvSpPr>
-        <p:spPr>
-          <a:xfrm>
-            <a:off x="6553080" y="6356520"/>
-            <a:ext cx="2133360" cy="364680"/>
-          </a:xfrm>
-          <a:prstGeom prst="rect">
-            <a:avLst/>
-          </a:prstGeom>
-        </p:spPr>
-        <p:txBody>
-          <a:bodyPr anchor="ctr"/>
-          <a:p>
-            <a:fld id="{5111B171-0181-4181-8141-714151F16171}" type="slidenum">
-              <a:rPr lang="en-US" sz="1200">
-                <a:solidFill>
-                  <a:srgbClr val="8b8b8b"/>
-                </a:solidFill>
-                <a:latin typeface="Calibri"/>
-              </a:rPr>
-              <a:t>&lt;number&gt;</a:t>
-            </a:fld>
-            <a:endParaRPr/>
-          </a:p>
-        </p:txBody>
-      </p:sp>
-      <p:sp>
-        <p:nvSpPr>
-          <p:cNvPr id="4" name="PlaceHolder 5"/>
+          <p:cNvPr id="2" name="PlaceHolder 3"/>
           <p:cNvSpPr>
             <a:spLocks noGrp="1"/>
           </p:cNvSpPr>
@@ -357,7 +282,23 @@
       </p:grpSpPr>
       <p:sp>
         <p:nvSpPr>
-          <p:cNvPr id="5" name="PlaceHolder 1"/>
+          <p:cNvPr id="3" name="CustomShape 1"/>
+          <p:cNvSpPr/>
+          <p:nvPr/>
+        </p:nvSpPr>
+        <p:spPr>
+          <a:xfrm>
+            <a:off x="3124080" y="6356520"/>
+            <a:ext cx="2894760" cy="364320"/>
+          </a:xfrm>
+          <a:prstGeom prst="rect">
+            <a:avLst/>
+          </a:prstGeom>
+        </p:spPr>
+      </p:sp>
+      <p:sp>
+        <p:nvSpPr>
+          <p:cNvPr id="4" name="PlaceHolder 2"/>
           <p:cNvSpPr>
             <a:spLocks noGrp="1"/>
           </p:cNvSpPr>
@@ -367,25 +308,20 @@
         </p:nvSpPr>
         <p:spPr>
           <a:xfrm>
-            <a:off x="457200" y="274680"/>
-            <a:ext cx="8229240" cy="1142640"/>
+            <a:off x="457200" y="273600"/>
+            <a:ext cx="8229240" cy="1144800"/>
           </a:xfrm>
           <a:prstGeom prst="rect">
             <a:avLst/>
           </a:prstGeom>
         </p:spPr>
         <p:txBody>
-          <a:bodyPr anchor="ctr"/>
+          <a:bodyPr anchor="ctr" bIns="0" lIns="0" rIns="0" tIns="0" wrap="none"/>
           <a:p>
             <a:pPr algn="ctr"/>
             <a:r>
-              <a:rPr lang="en-US" sz="4400">
-                <a:solidFill>
-                  <a:srgbClr val="000000"/>
-                </a:solidFill>
-                <a:latin typeface="Calibri"/>
-              </a:rPr>
-              <a:t>Click to edit the title text formatClick to edit Master title style</a:t>
+              <a:rPr lang="en-US"/>
+              <a:t>Click to edit the title text format</a:t>
             </a:r>
             <a:endParaRPr/>
           </a:p>
@@ -393,7 +329,7 @@
       </p:sp>
       <p:sp>
         <p:nvSpPr>
-          <p:cNvPr id="6" name="PlaceHolder 2"/>
+          <p:cNvPr id="5" name="PlaceHolder 3"/>
           <p:cNvSpPr>
             <a:spLocks noGrp="1"/>
           </p:cNvSpPr>
@@ -403,15 +339,15 @@
         </p:nvSpPr>
         <p:spPr>
           <a:xfrm>
-            <a:off x="457200" y="1600200"/>
-            <a:ext cx="8229240" cy="4525560"/>
+            <a:off x="457200" y="1604520"/>
+            <a:ext cx="8229240" cy="4525920"/>
           </a:xfrm>
           <a:prstGeom prst="rect">
             <a:avLst/>
           </a:prstGeom>
         </p:spPr>
         <p:txBody>
-          <a:bodyPr/>
+          <a:bodyPr bIns="0" lIns="0" rIns="0" tIns="0" wrap="none"/>
           <a:p>
             <a:pPr>
               <a:buSzPct val="45000"/>
@@ -419,12 +355,7 @@
               <a:buChar char=""/>
             </a:pPr>
             <a:r>
-              <a:rPr lang="en-US">
-                <a:solidFill>
-                  <a:srgbClr val="000000"/>
-                </a:solidFill>
-                <a:latin typeface="Calibri"/>
-              </a:rPr>
+              <a:rPr lang="en-US"/>
               <a:t>Click to edit the outline text format</a:t>
             </a:r>
             <a:endParaRPr/>
@@ -436,12 +367,7 @@
               <a:buChar char=""/>
             </a:pPr>
             <a:r>
-              <a:rPr lang="en-US">
-                <a:solidFill>
-                  <a:srgbClr val="000000"/>
-                </a:solidFill>
-                <a:latin typeface="Calibri"/>
-              </a:rPr>
+              <a:rPr lang="en-US"/>
               <a:t>Second Outline Level</a:t>
             </a:r>
             <a:endParaRPr/>
@@ -453,12 +379,7 @@
               <a:buChar char=""/>
             </a:pPr>
             <a:r>
-              <a:rPr lang="en-US">
-                <a:solidFill>
-                  <a:srgbClr val="000000"/>
-                </a:solidFill>
-                <a:latin typeface="Calibri"/>
-              </a:rPr>
+              <a:rPr lang="en-US"/>
               <a:t>Third Outline Level</a:t>
             </a:r>
             <a:endParaRPr/>
@@ -470,12 +391,7 @@
               <a:buChar char=""/>
             </a:pPr>
             <a:r>
-              <a:rPr lang="en-US">
-                <a:solidFill>
-                  <a:srgbClr val="000000"/>
-                </a:solidFill>
-                <a:latin typeface="Calibri"/>
-              </a:rPr>
+              <a:rPr lang="en-US"/>
               <a:t>Fourth Outline Level</a:t>
             </a:r>
             <a:endParaRPr/>
@@ -487,12 +403,7 @@
               <a:buChar char=""/>
             </a:pPr>
             <a:r>
-              <a:rPr lang="en-US">
-                <a:solidFill>
-                  <a:srgbClr val="000000"/>
-                </a:solidFill>
-                <a:latin typeface="Calibri"/>
-              </a:rPr>
+              <a:rPr lang="en-US"/>
               <a:t>Fifth Outline Level</a:t>
             </a:r>
             <a:endParaRPr/>
@@ -504,12 +415,7 @@
               <a:buChar char=""/>
             </a:pPr>
             <a:r>
-              <a:rPr lang="en-US">
-                <a:solidFill>
-                  <a:srgbClr val="000000"/>
-                </a:solidFill>
-                <a:latin typeface="Calibri"/>
-              </a:rPr>
+              <a:rPr lang="en-US"/>
               <a:t>Sixth Outline Level</a:t>
             </a:r>
             <a:endParaRPr/>
@@ -521,12 +427,7 @@
               <a:buChar char=""/>
             </a:pPr>
             <a:r>
-              <a:rPr lang="en-US">
-                <a:solidFill>
-                  <a:srgbClr val="000000"/>
-                </a:solidFill>
-                <a:latin typeface="Calibri"/>
-              </a:rPr>
+              <a:rPr lang="en-US"/>
               <a:t>Seventh Outline Level</a:t>
             </a:r>
             <a:endParaRPr/>
@@ -538,175 +439,21 @@
               <a:buChar char=""/>
             </a:pPr>
             <a:r>
-              <a:rPr lang="en-US">
-                <a:solidFill>
-                  <a:srgbClr val="000000"/>
-                </a:solidFill>
-                <a:latin typeface="Calibri"/>
-              </a:rPr>
+              <a:rPr lang="en-US"/>
               <a:t>Eighth Outline Level</a:t>
             </a:r>
             <a:endParaRPr/>
           </a:p>
           <a:p>
-            <a:r>
-              <a:rPr lang="en-US">
-                <a:solidFill>
-                  <a:srgbClr val="000000"/>
-                </a:solidFill>
-                <a:latin typeface="Calibri"/>
-              </a:rPr>
-              <a:t>Ninth Outline LevelClick to edit Master text styles</a:t>
-            </a:r>
-            <a:endParaRPr/>
-          </a:p>
-          <a:p>
-            <a:r>
-              <a:rPr lang="en-US">
-                <a:solidFill>
-                  <a:srgbClr val="000000"/>
-                </a:solidFill>
-                <a:latin typeface="Calibri"/>
-              </a:rPr>
-              <a:t>Second level</a:t>
-            </a:r>
-            <a:endParaRPr/>
-          </a:p>
-          <a:p>
-            <a:pPr lvl="1">
+            <a:pPr lvl="8">
               <a:buSzPct val="45000"/>
               <a:buFont typeface="StarSymbol"/>
               <a:buChar char=""/>
             </a:pPr>
             <a:r>
-              <a:rPr lang="en-US">
-                <a:solidFill>
-                  <a:srgbClr val="000000"/>
-                </a:solidFill>
-                <a:latin typeface="Calibri"/>
-              </a:rPr>
-              <a:t>Third level</a:t>
-            </a:r>
-            <a:endParaRPr/>
-          </a:p>
-          <a:p>
-            <a:pPr lvl="2">
-              <a:buSzPct val="75000"/>
-              <a:buFont typeface="StarSymbol"/>
-              <a:buChar char=""/>
-            </a:pPr>
-            <a:r>
-              <a:rPr lang="en-US">
-                <a:solidFill>
-                  <a:srgbClr val="000000"/>
-                </a:solidFill>
-                <a:latin typeface="Calibri"/>
-              </a:rPr>
-              <a:t>Fourth level</a:t>
-            </a:r>
-            <a:endParaRPr/>
-          </a:p>
-          <a:p>
-            <a:pPr lvl="3">
-              <a:buSzPct val="45000"/>
-              <a:buFont typeface="StarSymbol"/>
-              <a:buChar char=""/>
-            </a:pPr>
-            <a:r>
-              <a:rPr lang="en-US">
-                <a:solidFill>
-                  <a:srgbClr val="000000"/>
-                </a:solidFill>
-                <a:latin typeface="Calibri"/>
-              </a:rPr>
-              <a:t>Fifth level</a:t>
-            </a:r>
-            <a:endParaRPr/>
-          </a:p>
-        </p:txBody>
-      </p:sp>
-      <p:sp>
-        <p:nvSpPr>
-          <p:cNvPr id="7" name="PlaceHolder 3"/>
-          <p:cNvSpPr>
-            <a:spLocks noGrp="1"/>
-          </p:cNvSpPr>
-          <p:nvPr>
-            <p:ph type="dt"/>
-          </p:nvPr>
-        </p:nvSpPr>
-        <p:spPr>
-          <a:xfrm>
-            <a:off x="457200" y="6356520"/>
-            <a:ext cx="2133360" cy="364680"/>
-          </a:xfrm>
-          <a:prstGeom prst="rect">
-            <a:avLst/>
-          </a:prstGeom>
-        </p:spPr>
-        <p:txBody>
-          <a:bodyPr anchor="ctr"/>
-          <a:p>
-            <a:r>
-              <a:rPr lang="en-US" sz="1200">
-                <a:solidFill>
-                  <a:srgbClr val="8b8b8b"/>
-                </a:solidFill>
-                <a:latin typeface="Calibri"/>
-              </a:rPr>
-              <a:t>12/9/11</a:t>
-            </a:r>
-            <a:endParaRPr/>
-          </a:p>
-        </p:txBody>
-      </p:sp>
-      <p:sp>
-        <p:nvSpPr>
-          <p:cNvPr id="8" name="TextShape 4"/>
-          <p:cNvSpPr txBox="1"/>
-          <p:nvPr/>
-        </p:nvSpPr>
-        <p:spPr>
-          <a:xfrm>
-            <a:off x="3124080" y="6356520"/>
-            <a:ext cx="2895120" cy="364680"/>
-          </a:xfrm>
-          <a:prstGeom prst="rect">
-            <a:avLst/>
-          </a:prstGeom>
-        </p:spPr>
-      </p:sp>
-      <p:sp>
-        <p:nvSpPr>
-          <p:cNvPr id="9" name="PlaceHolder 5"/>
-          <p:cNvSpPr>
-            <a:spLocks noGrp="1"/>
-          </p:cNvSpPr>
-          <p:nvPr>
-            <p:ph type="sldNum"/>
-          </p:nvPr>
-        </p:nvSpPr>
-        <p:spPr>
-          <a:xfrm>
-            <a:off x="6553080" y="6356520"/>
-            <a:ext cx="2133360" cy="364680"/>
-          </a:xfrm>
-          <a:prstGeom prst="rect">
-            <a:avLst/>
-          </a:prstGeom>
-        </p:spPr>
-        <p:txBody>
-          <a:bodyPr anchor="ctr"/>
-          <a:p>
-            <a:fld id="{91417161-9171-41C1-91F1-C111D1B1E101}" type="slidenum">
-              <a:rPr lang="en-US" sz="1200">
-                <a:solidFill>
-                  <a:srgbClr val="8b8b8b"/>
-                </a:solidFill>
-                <a:latin typeface="Calibri"/>
-              </a:rPr>
-              <a:t>&lt;number&gt;</a:t>
-            </a:fld>
+              <a:rPr lang="en-US"/>
+              <a:t>Ninth Outline Level</a:t>
+            </a:r>
             <a:endParaRPr/>
           </a:p>
         </p:txBody>
@@ -739,14 +486,14 @@
       </p:grpSpPr>
       <p:sp>
         <p:nvSpPr>
-          <p:cNvPr id="10" name="CustomShape 1"/>
+          <p:cNvPr id="6" name="CustomShape 1"/>
           <p:cNvSpPr/>
           <p:nvPr/>
         </p:nvSpPr>
         <p:spPr>
           <a:xfrm>
-            <a:off x="759600" y="-720"/>
-            <a:ext cx="5967720" cy="380520"/>
+            <a:off x="349200" y="0"/>
+            <a:ext cx="457200" cy="6364800"/>
           </a:xfrm>
           <a:prstGeom prst="rect">
             <a:avLst/>
@@ -766,14 +513,14 @@
       </p:sp>
       <p:sp>
         <p:nvSpPr>
-          <p:cNvPr id="11" name="CustomShape 2"/>
+          <p:cNvPr id="7" name="CustomShape 2"/>
           <p:cNvSpPr/>
           <p:nvPr/>
         </p:nvSpPr>
         <p:spPr>
           <a:xfrm>
-            <a:off x="9144000" y="6477120"/>
-            <a:ext cx="8178480" cy="380520"/>
+            <a:off x="737280" y="6128640"/>
+            <a:ext cx="8406720" cy="380160"/>
           </a:xfrm>
           <a:prstGeom prst="rect">
             <a:avLst/>
@@ -793,7 +540,7 @@
       </p:sp>
       <p:pic>
         <p:nvPicPr>
-          <p:cNvPr descr="" id="12" name="Picture 3"/>
+          <p:cNvPr descr="" id="8" name="Picture 3"/>
           <p:cNvPicPr/>
           <p:nvPr/>
         </p:nvPicPr>
@@ -806,7 +553,7 @@
         <p:spPr>
           <a:xfrm>
             <a:off x="76320" y="5791320"/>
-            <a:ext cx="995400" cy="990360"/>
+            <a:ext cx="995040" cy="990000"/>
           </a:xfrm>
           <a:prstGeom prst="rect">
             <a:avLst/>
@@ -815,21 +562,21 @@
       </p:pic>
       <p:sp>
         <p:nvSpPr>
-          <p:cNvPr id="13" name="TextShape 3"/>
-          <p:cNvSpPr txBox="1"/>
+          <p:cNvPr id="9" name="CustomShape 3"/>
+          <p:cNvSpPr/>
           <p:nvPr/>
         </p:nvSpPr>
         <p:spPr>
           <a:xfrm>
             <a:off x="1219320" y="1841040"/>
-            <a:ext cx="7543440" cy="2285640"/>
+            <a:ext cx="7543080" cy="2285280"/>
           </a:xfrm>
           <a:prstGeom prst="rect">
             <a:avLst/>
           </a:prstGeom>
         </p:spPr>
         <p:txBody>
-          <a:bodyPr anchor="ctr"/>
+          <a:bodyPr anchor="ctr" bIns="45000" lIns="90000" rIns="90000" tIns="45000"/>
           <a:p>
             <a:pPr algn="ctr"/>
             <a:r>
@@ -847,21 +594,21 @@
       </p:sp>
       <p:sp>
         <p:nvSpPr>
-          <p:cNvPr id="14" name="TextShape 4"/>
-          <p:cNvSpPr txBox="1"/>
+          <p:cNvPr id="10" name="CustomShape 4"/>
+          <p:cNvSpPr/>
           <p:nvPr/>
         </p:nvSpPr>
         <p:spPr>
           <a:xfrm>
             <a:off x="1752480" y="4267080"/>
-            <a:ext cx="6461280" cy="1066320"/>
+            <a:ext cx="6460920" cy="1065960"/>
           </a:xfrm>
           <a:prstGeom prst="rect">
             <a:avLst/>
           </a:prstGeom>
         </p:spPr>
         <p:txBody>
-          <a:bodyPr anchor="ctr"/>
+          <a:bodyPr anchor="ctr" bIns="45000" lIns="90000" rIns="90000" tIns="45000"/>
           <a:p>
             <a:pPr algn="ctr"/>
             <a:r>
@@ -901,46 +648,14 @@
       </p:grpSpPr>
       <p:sp>
         <p:nvSpPr>
-          <p:cNvPr id="15" name="TextShape 1"/>
-          <p:cNvSpPr txBox="1"/>
-          <p:nvPr/>
-        </p:nvSpPr>
-        <p:spPr>
-          <a:xfrm>
-            <a:off x="1219320" y="274680"/>
-            <a:ext cx="7467120" cy="715680"/>
-          </a:xfrm>
-          <a:prstGeom prst="rect">
-            <a:avLst/>
-          </a:prstGeom>
-        </p:spPr>
-        <p:txBody>
-          <a:bodyPr anchor="ctr"/>
-          <a:p>
-            <a:pPr algn="ctr"/>
-            <a:r>
-              <a:rPr lang="en-US" sz="3200">
-                <a:solidFill>
-                  <a:srgbClr val="1f497d"/>
-                </a:solidFill>
-                <a:latin typeface="Times New Roman"/>
-              </a:rPr>
-              <a:t>System Architecture</a:t>
-            </a:r>
-            <a:endParaRPr/>
-          </a:p>
-        </p:txBody>
-      </p:sp>
-      <p:sp>
-        <p:nvSpPr>
-          <p:cNvPr id="16" name="CustomShape 2"/>
+          <p:cNvPr id="11" name="CustomShape 1"/>
           <p:cNvSpPr/>
           <p:nvPr/>
         </p:nvSpPr>
         <p:spPr>
           <a:xfrm>
-            <a:off x="757080" y="0"/>
-            <a:ext cx="5967720" cy="380520"/>
+            <a:off x="349200" y="0"/>
+            <a:ext cx="457200" cy="6364800"/>
           </a:xfrm>
           <a:prstGeom prst="rect">
             <a:avLst/>
@@ -960,14 +675,68 @@
       </p:sp>
       <p:sp>
         <p:nvSpPr>
-          <p:cNvPr id="17" name="CustomShape 3"/>
+          <p:cNvPr id="12" name="CustomShape 2"/>
           <p:cNvSpPr/>
           <p:nvPr/>
         </p:nvSpPr>
         <p:spPr>
           <a:xfrm>
-            <a:off x="9141120" y="6477120"/>
-            <a:ext cx="8178480" cy="380520"/>
+            <a:off x="1219320" y="274680"/>
+            <a:ext cx="7466760" cy="715320"/>
+          </a:xfrm>
+          <a:prstGeom prst="rect">
+            <a:avLst/>
+          </a:prstGeom>
+        </p:spPr>
+        <p:txBody>
+          <a:bodyPr anchor="ctr" bIns="45000" lIns="90000" rIns="90000" tIns="45000"/>
+          <a:p>
+            <a:pPr algn="ctr"/>
+            <a:r>
+              <a:rPr lang="en-US" sz="3200">
+                <a:solidFill>
+                  <a:srgbClr val="1f497d"/>
+                </a:solidFill>
+                <a:latin typeface="Times New Roman"/>
+              </a:rPr>
+              <a:t>Results</a:t>
+            </a:r>
+            <a:endParaRPr/>
+          </a:p>
+        </p:txBody>
+      </p:sp>
+      <p:pic>
+        <p:nvPicPr>
+          <p:cNvPr descr="" id="13" name=""/>
+          <p:cNvPicPr/>
+          <p:nvPr/>
+        </p:nvPicPr>
+        <p:blipFill>
+          <a:blip r:embed="rId1"/>
+          <a:stretch>
+            <a:fillRect/>
+          </a:stretch>
+        </p:blipFill>
+        <p:spPr>
+          <a:xfrm>
+            <a:off x="1906200" y="886320"/>
+            <a:ext cx="6022440" cy="5056920"/>
+          </a:xfrm>
+          <a:prstGeom prst="rect">
+            <a:avLst/>
+          </a:prstGeom>
+        </p:spPr>
+      </p:pic>
+      <p:sp>
+        <p:nvSpPr>
+          <p:cNvPr id="14" name="CustomShape 3"/>
+          <p:cNvSpPr/>
+          <p:nvPr/>
+        </p:nvSpPr>
+        <p:spPr>
+          <a:xfrm>
+            <a:off x="737280" y="6128640"/>
+            <a:ext cx="8406720" cy="380160"/>
           </a:xfrm>
           <a:prstGeom prst="rect">
             <a:avLst/>
@@ -987,12 +756,12 @@
       </p:sp>
       <p:pic>
         <p:nvPicPr>
-          <p:cNvPr descr="" id="18" name="Picture 5"/>
+          <p:cNvPr descr="" id="15" name="Picture 5"/>
           <p:cNvPicPr/>
           <p:nvPr/>
         </p:nvPicPr>
         <p:blipFill>
-          <a:blip r:embed="rId1"/>
+          <a:blip r:embed="rId2"/>
           <a:stretch>
             <a:fillRect/>
           </a:stretch>
@@ -1000,7 +769,7 @@
         <p:spPr>
           <a:xfrm>
             <a:off x="73080" y="5791320"/>
-            <a:ext cx="995400" cy="990360"/>
+            <a:ext cx="995040" cy="990000"/>
           </a:xfrm>
           <a:prstGeom prst="rect">
             <a:avLst/>
@@ -1060,46 +829,14 @@
       </p:grpSpPr>
       <p:sp>
         <p:nvSpPr>
-          <p:cNvPr id="19" name="TextShape 1"/>
-          <p:cNvSpPr txBox="1"/>
-          <p:nvPr/>
-        </p:nvSpPr>
-        <p:spPr>
-          <a:xfrm>
-            <a:off x="1219320" y="274680"/>
-            <a:ext cx="7467120" cy="715680"/>
-          </a:xfrm>
-          <a:prstGeom prst="rect">
-            <a:avLst/>
-          </a:prstGeom>
-        </p:spPr>
-        <p:txBody>
-          <a:bodyPr anchor="ctr"/>
-          <a:p>
-            <a:pPr algn="ctr"/>
-            <a:r>
-              <a:rPr lang="en-US" sz="3200">
-                <a:solidFill>
-                  <a:srgbClr val="1f497d"/>
-                </a:solidFill>
-                <a:latin typeface="Times New Roman"/>
-              </a:rPr>
-              <a:t>Results</a:t>
-            </a:r>
-            <a:endParaRPr/>
-          </a:p>
-        </p:txBody>
-      </p:sp>
-      <p:sp>
-        <p:nvSpPr>
-          <p:cNvPr id="20" name="CustomShape 2"/>
+          <p:cNvPr id="16" name="CustomShape 1"/>
           <p:cNvSpPr/>
           <p:nvPr/>
         </p:nvSpPr>
         <p:spPr>
           <a:xfrm>
-            <a:off x="757080" y="0"/>
-            <a:ext cx="5967720" cy="380520"/>
+            <a:off x="349200" y="0"/>
+            <a:ext cx="457200" cy="6364800"/>
           </a:xfrm>
           <a:prstGeom prst="rect">
             <a:avLst/>
@@ -1119,14 +856,46 @@
       </p:sp>
       <p:sp>
         <p:nvSpPr>
-          <p:cNvPr id="21" name="CustomShape 3"/>
+          <p:cNvPr id="17" name="CustomShape 2"/>
           <p:cNvSpPr/>
           <p:nvPr/>
         </p:nvSpPr>
         <p:spPr>
           <a:xfrm>
-            <a:off x="9141120" y="6477120"/>
-            <a:ext cx="8178480" cy="380520"/>
+            <a:off x="1219320" y="274680"/>
+            <a:ext cx="7466760" cy="715320"/>
+          </a:xfrm>
+          <a:prstGeom prst="rect">
+            <a:avLst/>
+          </a:prstGeom>
+        </p:spPr>
+        <p:txBody>
+          <a:bodyPr anchor="ctr" bIns="45000" lIns="90000" rIns="90000" tIns="45000"/>
+          <a:p>
+            <a:pPr algn="ctr"/>
+            <a:r>
+              <a:rPr lang="en-US" sz="3200">
+                <a:solidFill>
+                  <a:srgbClr val="1f497d"/>
+                </a:solidFill>
+                <a:latin typeface="Times New Roman"/>
+              </a:rPr>
+              <a:t>System Architecture</a:t>
+            </a:r>
+            <a:endParaRPr/>
+          </a:p>
+        </p:txBody>
+      </p:sp>
+      <p:sp>
+        <p:nvSpPr>
+          <p:cNvPr id="18" name="CustomShape 3"/>
+          <p:cNvSpPr/>
+          <p:nvPr/>
+        </p:nvSpPr>
+        <p:spPr>
+          <a:xfrm>
+            <a:off x="737280" y="6128640"/>
+            <a:ext cx="8406720" cy="380160"/>
           </a:xfrm>
           <a:prstGeom prst="rect">
             <a:avLst/>
@@ -1146,7 +915,7 @@
       </p:sp>
       <p:pic>
         <p:nvPicPr>
-          <p:cNvPr descr="" id="22" name="Picture 5"/>
+          <p:cNvPr descr="" id="19" name="Picture 5"/>
           <p:cNvPicPr/>
           <p:nvPr/>
         </p:nvPicPr>
@@ -1159,7 +928,7 @@
         <p:spPr>
           <a:xfrm>
             <a:off x="73080" y="5791320"/>
-            <a:ext cx="995400" cy="990360"/>
+            <a:ext cx="995040" cy="990000"/>
           </a:xfrm>
           <a:prstGeom prst="rect">
             <a:avLst/>
@@ -1168,7 +937,7 @@
       </p:pic>
       <p:pic>
         <p:nvPicPr>
-          <p:cNvPr descr="" id="23" name=""/>
+          <p:cNvPr descr="" id="20" name=""/>
           <p:cNvPicPr/>
           <p:nvPr/>
         </p:nvPicPr>
@@ -1180,8 +949,8 @@
         </p:blipFill>
         <p:spPr>
           <a:xfrm>
-            <a:off x="1906200" y="886320"/>
-            <a:ext cx="6022800" cy="5057280"/>
+            <a:off x="1038240" y="1543680"/>
+            <a:ext cx="7142400" cy="3818520"/>
           </a:xfrm>
           <a:prstGeom prst="rect">
             <a:avLst/>
